--- a/DataAnalysisPresentation.pptx
+++ b/DataAnalysisPresentation.pptx
@@ -148,7 +148,7 @@
   <pc:docChgLst>
     <pc:chgData name="mrces10004@outlook.com" userId="a729cfb8db14399c" providerId="LiveId" clId="{410FF27B-E667-41D2-B132-5D899B08EB21}"/>
     <pc:docChg chg="undo redo custSel addSld delSld modSld sldOrd modMainMaster">
-      <pc:chgData name="mrces10004@outlook.com" userId="a729cfb8db14399c" providerId="LiveId" clId="{410FF27B-E667-41D2-B132-5D899B08EB21}" dt="2023-05-26T17:19:27.864" v="12859" actId="1076"/>
+      <pc:chgData name="mrces10004@outlook.com" userId="a729cfb8db14399c" providerId="LiveId" clId="{410FF27B-E667-41D2-B132-5D899B08EB21}" dt="2023-05-30T19:37:56.412" v="12862" actId="20577"/>
       <pc:docMkLst>
         <pc:docMk/>
       </pc:docMkLst>
@@ -1399,7 +1399,7 @@
         </pc:spChg>
       </pc:sldChg>
       <pc:sldChg chg="addSp delSp modSp new mod">
-        <pc:chgData name="mrces10004@outlook.com" userId="a729cfb8db14399c" providerId="LiveId" clId="{410FF27B-E667-41D2-B132-5D899B08EB21}" dt="2023-05-26T02:40:10.182" v="12439" actId="1582"/>
+        <pc:chgData name="mrces10004@outlook.com" userId="a729cfb8db14399c" providerId="LiveId" clId="{410FF27B-E667-41D2-B132-5D899B08EB21}" dt="2023-05-30T19:37:56.412" v="12862" actId="20577"/>
         <pc:sldMkLst>
           <pc:docMk/>
           <pc:sldMk cId="2574503122" sldId="281"/>
@@ -1413,7 +1413,7 @@
           </ac:spMkLst>
         </pc:spChg>
         <pc:spChg chg="mod">
-          <ac:chgData name="mrces10004@outlook.com" userId="a729cfb8db14399c" providerId="LiveId" clId="{410FF27B-E667-41D2-B132-5D899B08EB21}" dt="2023-05-26T02:38:55.571" v="12430" actId="14100"/>
+          <ac:chgData name="mrces10004@outlook.com" userId="a729cfb8db14399c" providerId="LiveId" clId="{410FF27B-E667-41D2-B132-5D899B08EB21}" dt="2023-05-30T19:37:56.412" v="12862" actId="20577"/>
           <ac:spMkLst>
             <pc:docMk/>
             <pc:sldMk cId="2574503122" sldId="281"/>
@@ -1738,7 +1738,7 @@
           <a:p>
             <a:fld id="{EC44ACFE-8308-4CC1-A509-14880CBDE99D}" type="datetimeFigureOut">
               <a:rPr lang="en-US" smtClean="0"/>
-              <a:t>5/26/2023</a:t>
+              <a:t>5/30/2023</a:t>
             </a:fld>
             <a:endParaRPr lang="en-US"/>
           </a:p>
@@ -1936,7 +1936,7 @@
           <a:p>
             <a:fld id="{EC44ACFE-8308-4CC1-A509-14880CBDE99D}" type="datetimeFigureOut">
               <a:rPr lang="en-US" smtClean="0"/>
-              <a:t>5/26/2023</a:t>
+              <a:t>5/30/2023</a:t>
             </a:fld>
             <a:endParaRPr lang="en-US"/>
           </a:p>
@@ -2144,7 +2144,7 @@
           <a:p>
             <a:fld id="{EC44ACFE-8308-4CC1-A509-14880CBDE99D}" type="datetimeFigureOut">
               <a:rPr lang="en-US" smtClean="0"/>
-              <a:t>5/26/2023</a:t>
+              <a:t>5/30/2023</a:t>
             </a:fld>
             <a:endParaRPr lang="en-US"/>
           </a:p>
@@ -2342,7 +2342,7 @@
           <a:p>
             <a:fld id="{EC44ACFE-8308-4CC1-A509-14880CBDE99D}" type="datetimeFigureOut">
               <a:rPr lang="en-US" smtClean="0"/>
-              <a:t>5/26/2023</a:t>
+              <a:t>5/30/2023</a:t>
             </a:fld>
             <a:endParaRPr lang="en-US"/>
           </a:p>
@@ -2617,7 +2617,7 @@
           <a:p>
             <a:fld id="{EC44ACFE-8308-4CC1-A509-14880CBDE99D}" type="datetimeFigureOut">
               <a:rPr lang="en-US" smtClean="0"/>
-              <a:t>5/26/2023</a:t>
+              <a:t>5/30/2023</a:t>
             </a:fld>
             <a:endParaRPr lang="en-US"/>
           </a:p>
@@ -2882,7 +2882,7 @@
           <a:p>
             <a:fld id="{EC44ACFE-8308-4CC1-A509-14880CBDE99D}" type="datetimeFigureOut">
               <a:rPr lang="en-US" smtClean="0"/>
-              <a:t>5/26/2023</a:t>
+              <a:t>5/30/2023</a:t>
             </a:fld>
             <a:endParaRPr lang="en-US"/>
           </a:p>
@@ -3294,7 +3294,7 @@
           <a:p>
             <a:fld id="{EC44ACFE-8308-4CC1-A509-14880CBDE99D}" type="datetimeFigureOut">
               <a:rPr lang="en-US" smtClean="0"/>
-              <a:t>5/26/2023</a:t>
+              <a:t>5/30/2023</a:t>
             </a:fld>
             <a:endParaRPr lang="en-US"/>
           </a:p>
@@ -3435,7 +3435,7 @@
           <a:p>
             <a:fld id="{EC44ACFE-8308-4CC1-A509-14880CBDE99D}" type="datetimeFigureOut">
               <a:rPr lang="en-US" smtClean="0"/>
-              <a:t>5/26/2023</a:t>
+              <a:t>5/30/2023</a:t>
             </a:fld>
             <a:endParaRPr lang="en-US"/>
           </a:p>
@@ -3548,7 +3548,7 @@
           <a:p>
             <a:fld id="{EC44ACFE-8308-4CC1-A509-14880CBDE99D}" type="datetimeFigureOut">
               <a:rPr lang="en-US" smtClean="0"/>
-              <a:t>5/26/2023</a:t>
+              <a:t>5/30/2023</a:t>
             </a:fld>
             <a:endParaRPr lang="en-US"/>
           </a:p>
@@ -3859,7 +3859,7 @@
           <a:p>
             <a:fld id="{EC44ACFE-8308-4CC1-A509-14880CBDE99D}" type="datetimeFigureOut">
               <a:rPr lang="en-US" smtClean="0"/>
-              <a:t>5/26/2023</a:t>
+              <a:t>5/30/2023</a:t>
             </a:fld>
             <a:endParaRPr lang="en-US"/>
           </a:p>
@@ -4147,7 +4147,7 @@
           <a:p>
             <a:fld id="{EC44ACFE-8308-4CC1-A509-14880CBDE99D}" type="datetimeFigureOut">
               <a:rPr lang="en-US" smtClean="0"/>
-              <a:t>5/26/2023</a:t>
+              <a:t>5/30/2023</a:t>
             </a:fld>
             <a:endParaRPr lang="en-US"/>
           </a:p>
@@ -4398,7 +4398,7 @@
           <a:p>
             <a:fld id="{EC44ACFE-8308-4CC1-A509-14880CBDE99D}" type="datetimeFigureOut">
               <a:rPr lang="en-US" smtClean="0"/>
-              <a:t>5/26/2023</a:t>
+              <a:t>5/30/2023</a:t>
             </a:fld>
             <a:endParaRPr lang="en-US"/>
           </a:p>
@@ -6019,7 +6019,23 @@
                   <a:srgbClr val="7030A0"/>
                 </a:solidFill>
               </a:rPr>
-              <a:t>. However, the range of streams also vary greatly.</a:t>
+              <a:t>. However, the range of streams </a:t>
+            </a:r>
+            <a:r>
+              <a:rPr lang="en-US" sz="2800">
+                <a:solidFill>
+                  <a:srgbClr val="7030A0"/>
+                </a:solidFill>
+              </a:rPr>
+              <a:t>also varies </a:t>
+            </a:r>
+            <a:r>
+              <a:rPr lang="en-US" sz="2800" dirty="0">
+                <a:solidFill>
+                  <a:srgbClr val="7030A0"/>
+                </a:solidFill>
+              </a:rPr>
+              <a:t>greatly.</a:t>
             </a:r>
           </a:p>
           <a:p>
